--- a/미니프로젝트/대타 출동!.pptx
+++ b/미니프로젝트/대타 출동!.pptx
@@ -26,8 +26,6 @@
     <p:sldId id="278" r:id="rId20"/>
     <p:sldId id="279" r:id="rId21"/>
     <p:sldId id="261" r:id="rId22"/>
-    <p:sldId id="259" r:id="rId23"/>
-    <p:sldId id="264" r:id="rId24"/>
   </p:sldIdLst>
   <p:sldSz cx="12192000" cy="6858000"/>
   <p:notesSz cx="6858000" cy="9144000"/>
@@ -1394,483 +1392,6 @@
       <dsp:cNvGrpSpPr/>
     </dsp:nvGrpSpPr>
     <dsp:grpSpPr/>
-    <dsp:sp modelId="{1A8BBF80-C660-4A9D-AD11-8A61D3A224FD}">
-      <dsp:nvSpPr>
-        <dsp:cNvPr id="0" name=""/>
-        <dsp:cNvSpPr/>
-      </dsp:nvSpPr>
-      <dsp:spPr>
-        <a:xfrm>
-          <a:off x="3251199" y="2520950"/>
-          <a:ext cx="1625600" cy="1625600"/>
-        </a:xfrm>
-        <a:prstGeom prst="roundRect">
-          <a:avLst/>
-        </a:prstGeom>
-        <a:solidFill>
-          <a:schemeClr val="accent2">
-            <a:hueOff val="0"/>
-            <a:satOff val="0"/>
-            <a:lumOff val="0"/>
-            <a:alphaOff val="0"/>
-          </a:schemeClr>
-        </a:solidFill>
-        <a:ln w="12700" cap="flat" cmpd="sng" algn="ctr">
-          <a:solidFill>
-            <a:schemeClr val="lt1">
-              <a:hueOff val="0"/>
-              <a:satOff val="0"/>
-              <a:lumOff val="0"/>
-              <a:alphaOff val="0"/>
-            </a:schemeClr>
-          </a:solidFill>
-          <a:prstDash val="solid"/>
-          <a:miter lim="800000"/>
-        </a:ln>
-        <a:effectLst/>
-      </dsp:spPr>
-      <dsp:style>
-        <a:lnRef idx="2">
-          <a:scrgbClr r="0" g="0" b="0"/>
-        </a:lnRef>
-        <a:fillRef idx="1">
-          <a:scrgbClr r="0" g="0" b="0"/>
-        </a:fillRef>
-        <a:effectRef idx="0">
-          <a:scrgbClr r="0" g="0" b="0"/>
-        </a:effectRef>
-        <a:fontRef idx="minor">
-          <a:schemeClr val="lt1"/>
-        </a:fontRef>
-      </dsp:style>
-      <dsp:txBody>
-        <a:bodyPr spcFirstLastPara="0" vert="horz" wrap="square" lIns="91440" tIns="91440" rIns="91440" bIns="91440" numCol="1" spcCol="1270" anchor="ctr" anchorCtr="0">
-          <a:noAutofit/>
-        </a:bodyPr>
-        <a:lstStyle/>
-        <a:p>
-          <a:pPr lvl="0" algn="ctr" defTabSz="1600200" latinLnBrk="1">
-            <a:lnSpc>
-              <a:spcPct val="90000"/>
-            </a:lnSpc>
-            <a:spcBef>
-              <a:spcPct val="0"/>
-            </a:spcBef>
-            <a:spcAft>
-              <a:spcPct val="35000"/>
-            </a:spcAft>
-          </a:pPr>
-          <a:r>
-            <a:rPr lang="ko-KR" altLang="en-US" sz="3600" kern="1200" dirty="0" smtClean="0"/>
-            <a:t>역할</a:t>
-          </a:r>
-          <a:endParaRPr lang="ko-KR" altLang="en-US" sz="3600" kern="1200" dirty="0"/>
-        </a:p>
-      </dsp:txBody>
-      <dsp:txXfrm>
-        <a:off x="3330554" y="2600305"/>
-        <a:ext cx="1466890" cy="1466890"/>
-      </dsp:txXfrm>
-    </dsp:sp>
-    <dsp:sp modelId="{119CB8E5-AD02-4AA6-BF3C-C7C1A9E83332}">
-      <dsp:nvSpPr>
-        <dsp:cNvPr id="0" name=""/>
-        <dsp:cNvSpPr/>
-      </dsp:nvSpPr>
-      <dsp:spPr>
-        <a:xfrm rot="16221816">
-          <a:off x="3764004" y="2213853"/>
-          <a:ext cx="614204" cy="0"/>
-        </a:xfrm>
-        <a:custGeom>
-          <a:avLst/>
-          <a:gdLst/>
-          <a:ahLst/>
-          <a:cxnLst/>
-          <a:rect l="0" t="0" r="0" b="0"/>
-          <a:pathLst>
-            <a:path>
-              <a:moveTo>
-                <a:pt x="0" y="0"/>
-              </a:moveTo>
-              <a:lnTo>
-                <a:pt x="614204" y="0"/>
-              </a:lnTo>
-            </a:path>
-          </a:pathLst>
-        </a:custGeom>
-        <a:noFill/>
-        <a:ln w="12700" cap="flat" cmpd="sng" algn="ctr">
-          <a:solidFill>
-            <a:schemeClr val="accent2">
-              <a:hueOff val="0"/>
-              <a:satOff val="0"/>
-              <a:lumOff val="0"/>
-              <a:alphaOff val="0"/>
-            </a:schemeClr>
-          </a:solidFill>
-          <a:prstDash val="solid"/>
-          <a:miter lim="800000"/>
-        </a:ln>
-        <a:effectLst/>
-      </dsp:spPr>
-      <dsp:style>
-        <a:lnRef idx="2">
-          <a:scrgbClr r="0" g="0" b="0"/>
-        </a:lnRef>
-        <a:fillRef idx="0">
-          <a:scrgbClr r="0" g="0" b="0"/>
-        </a:fillRef>
-        <a:effectRef idx="0">
-          <a:scrgbClr r="0" g="0" b="0"/>
-        </a:effectRef>
-        <a:fontRef idx="minor"/>
-      </dsp:style>
-    </dsp:sp>
-    <dsp:sp modelId="{967A2345-B6DE-4F15-A002-B6D054F1F3CF}">
-      <dsp:nvSpPr>
-        <dsp:cNvPr id="0" name=""/>
-        <dsp:cNvSpPr/>
-      </dsp:nvSpPr>
-      <dsp:spPr>
-        <a:xfrm>
-          <a:off x="3531935" y="817605"/>
-          <a:ext cx="1089152" cy="1089152"/>
-        </a:xfrm>
-        <a:prstGeom prst="roundRect">
-          <a:avLst/>
-        </a:prstGeom>
-        <a:solidFill>
-          <a:schemeClr val="accent3">
-            <a:hueOff val="0"/>
-            <a:satOff val="0"/>
-            <a:lumOff val="0"/>
-            <a:alphaOff val="0"/>
-          </a:schemeClr>
-        </a:solidFill>
-        <a:ln w="12700" cap="flat" cmpd="sng" algn="ctr">
-          <a:solidFill>
-            <a:schemeClr val="lt1">
-              <a:hueOff val="0"/>
-              <a:satOff val="0"/>
-              <a:lumOff val="0"/>
-              <a:alphaOff val="0"/>
-            </a:schemeClr>
-          </a:solidFill>
-          <a:prstDash val="solid"/>
-          <a:miter lim="800000"/>
-        </a:ln>
-        <a:effectLst/>
-      </dsp:spPr>
-      <dsp:style>
-        <a:lnRef idx="2">
-          <a:scrgbClr r="0" g="0" b="0"/>
-        </a:lnRef>
-        <a:fillRef idx="1">
-          <a:scrgbClr r="0" g="0" b="0"/>
-        </a:fillRef>
-        <a:effectRef idx="0">
-          <a:scrgbClr r="0" g="0" b="0"/>
-        </a:effectRef>
-        <a:fontRef idx="minor">
-          <a:schemeClr val="lt1"/>
-        </a:fontRef>
-      </dsp:style>
-      <dsp:txBody>
-        <a:bodyPr spcFirstLastPara="0" vert="horz" wrap="square" lIns="55880" tIns="55880" rIns="55880" bIns="55880" numCol="1" spcCol="1270" anchor="ctr" anchorCtr="0">
-          <a:noAutofit/>
-        </a:bodyPr>
-        <a:lstStyle/>
-        <a:p>
-          <a:pPr lvl="0" algn="ctr" defTabSz="977900" latinLnBrk="1">
-            <a:lnSpc>
-              <a:spcPct val="90000"/>
-            </a:lnSpc>
-            <a:spcBef>
-              <a:spcPct val="0"/>
-            </a:spcBef>
-            <a:spcAft>
-              <a:spcPct val="35000"/>
-            </a:spcAft>
-          </a:pPr>
-          <a:r>
-            <a:rPr lang="ko-KR" altLang="en-US" sz="2200" kern="1200" dirty="0" err="1" smtClean="0"/>
-            <a:t>김수이</a:t>
-          </a:r>
-          <a:endParaRPr lang="ko-KR" altLang="en-US" sz="2200" kern="1200" dirty="0"/>
-        </a:p>
-      </dsp:txBody>
-      <dsp:txXfrm>
-        <a:off x="3585103" y="870773"/>
-        <a:ext cx="982816" cy="982816"/>
-      </dsp:txXfrm>
-    </dsp:sp>
-    <dsp:sp modelId="{C27421D0-9EAE-421D-91F2-02F63CFAF9EC}">
-      <dsp:nvSpPr>
-        <dsp:cNvPr id="0" name=""/>
-        <dsp:cNvSpPr/>
-      </dsp:nvSpPr>
-      <dsp:spPr>
-        <a:xfrm rot="1800000">
-          <a:off x="4814481" y="4035596"/>
-          <a:ext cx="930303" cy="0"/>
-        </a:xfrm>
-        <a:custGeom>
-          <a:avLst/>
-          <a:gdLst/>
-          <a:ahLst/>
-          <a:cxnLst/>
-          <a:rect l="0" t="0" r="0" b="0"/>
-          <a:pathLst>
-            <a:path>
-              <a:moveTo>
-                <a:pt x="0" y="0"/>
-              </a:moveTo>
-              <a:lnTo>
-                <a:pt x="930303" y="0"/>
-              </a:lnTo>
-            </a:path>
-          </a:pathLst>
-        </a:custGeom>
-        <a:noFill/>
-        <a:ln w="12700" cap="flat" cmpd="sng" algn="ctr">
-          <a:solidFill>
-            <a:schemeClr val="accent2">
-              <a:hueOff val="0"/>
-              <a:satOff val="0"/>
-              <a:lumOff val="0"/>
-              <a:alphaOff val="0"/>
-            </a:schemeClr>
-          </a:solidFill>
-          <a:prstDash val="solid"/>
-          <a:miter lim="800000"/>
-        </a:ln>
-        <a:effectLst/>
-      </dsp:spPr>
-      <dsp:style>
-        <a:lnRef idx="2">
-          <a:scrgbClr r="0" g="0" b="0"/>
-        </a:lnRef>
-        <a:fillRef idx="0">
-          <a:scrgbClr r="0" g="0" b="0"/>
-        </a:fillRef>
-        <a:effectRef idx="0">
-          <a:scrgbClr r="0" g="0" b="0"/>
-        </a:effectRef>
-        <a:fontRef idx="minor"/>
-      </dsp:style>
-    </dsp:sp>
-    <dsp:sp modelId="{6A0FF175-333A-4958-94D0-20C92B84B353}">
-      <dsp:nvSpPr>
-        <dsp:cNvPr id="0" name=""/>
-        <dsp:cNvSpPr/>
-      </dsp:nvSpPr>
-      <dsp:spPr>
-        <a:xfrm>
-          <a:off x="5682466" y="4038007"/>
-          <a:ext cx="1089152" cy="1089152"/>
-        </a:xfrm>
-        <a:prstGeom prst="roundRect">
-          <a:avLst/>
-        </a:prstGeom>
-        <a:solidFill>
-          <a:schemeClr val="accent4">
-            <a:hueOff val="0"/>
-            <a:satOff val="0"/>
-            <a:lumOff val="0"/>
-            <a:alphaOff val="0"/>
-          </a:schemeClr>
-        </a:solidFill>
-        <a:ln w="12700" cap="flat" cmpd="sng" algn="ctr">
-          <a:solidFill>
-            <a:schemeClr val="lt1">
-              <a:hueOff val="0"/>
-              <a:satOff val="0"/>
-              <a:lumOff val="0"/>
-              <a:alphaOff val="0"/>
-            </a:schemeClr>
-          </a:solidFill>
-          <a:prstDash val="solid"/>
-          <a:miter lim="800000"/>
-        </a:ln>
-        <a:effectLst/>
-      </dsp:spPr>
-      <dsp:style>
-        <a:lnRef idx="2">
-          <a:scrgbClr r="0" g="0" b="0"/>
-        </a:lnRef>
-        <a:fillRef idx="1">
-          <a:scrgbClr r="0" g="0" b="0"/>
-        </a:fillRef>
-        <a:effectRef idx="0">
-          <a:scrgbClr r="0" g="0" b="0"/>
-        </a:effectRef>
-        <a:fontRef idx="minor">
-          <a:schemeClr val="lt1"/>
-        </a:fontRef>
-      </dsp:style>
-      <dsp:txBody>
-        <a:bodyPr spcFirstLastPara="0" vert="horz" wrap="square" lIns="55880" tIns="55880" rIns="55880" bIns="55880" numCol="1" spcCol="1270" anchor="ctr" anchorCtr="0">
-          <a:noAutofit/>
-        </a:bodyPr>
-        <a:lstStyle/>
-        <a:p>
-          <a:pPr lvl="0" algn="ctr" defTabSz="977900" latinLnBrk="1">
-            <a:lnSpc>
-              <a:spcPct val="90000"/>
-            </a:lnSpc>
-            <a:spcBef>
-              <a:spcPct val="0"/>
-            </a:spcBef>
-            <a:spcAft>
-              <a:spcPct val="35000"/>
-            </a:spcAft>
-          </a:pPr>
-          <a:r>
-            <a:rPr lang="ko-KR" altLang="en-US" sz="2200" kern="1200" dirty="0" smtClean="0"/>
-            <a:t>황지원</a:t>
-          </a:r>
-          <a:endParaRPr lang="ko-KR" altLang="en-US" sz="2200" kern="1200" dirty="0"/>
-        </a:p>
-      </dsp:txBody>
-      <dsp:txXfrm>
-        <a:off x="5735634" y="4091175"/>
-        <a:ext cx="982816" cy="982816"/>
-      </dsp:txXfrm>
-    </dsp:sp>
-    <dsp:sp modelId="{A93C4EB2-F09C-4413-948F-E1E40D59450A}">
-      <dsp:nvSpPr>
-        <dsp:cNvPr id="0" name=""/>
-        <dsp:cNvSpPr/>
-      </dsp:nvSpPr>
-      <dsp:spPr>
-        <a:xfrm rot="9000000">
-          <a:off x="2383214" y="4035596"/>
-          <a:ext cx="930303" cy="0"/>
-        </a:xfrm>
-        <a:custGeom>
-          <a:avLst/>
-          <a:gdLst/>
-          <a:ahLst/>
-          <a:cxnLst/>
-          <a:rect l="0" t="0" r="0" b="0"/>
-          <a:pathLst>
-            <a:path>
-              <a:moveTo>
-                <a:pt x="0" y="0"/>
-              </a:moveTo>
-              <a:lnTo>
-                <a:pt x="930303" y="0"/>
-              </a:lnTo>
-            </a:path>
-          </a:pathLst>
-        </a:custGeom>
-        <a:noFill/>
-        <a:ln w="12700" cap="flat" cmpd="sng" algn="ctr">
-          <a:solidFill>
-            <a:schemeClr val="accent2">
-              <a:hueOff val="0"/>
-              <a:satOff val="0"/>
-              <a:lumOff val="0"/>
-              <a:alphaOff val="0"/>
-            </a:schemeClr>
-          </a:solidFill>
-          <a:prstDash val="solid"/>
-          <a:miter lim="800000"/>
-        </a:ln>
-        <a:effectLst/>
-      </dsp:spPr>
-      <dsp:style>
-        <a:lnRef idx="2">
-          <a:scrgbClr r="0" g="0" b="0"/>
-        </a:lnRef>
-        <a:fillRef idx="0">
-          <a:scrgbClr r="0" g="0" b="0"/>
-        </a:fillRef>
-        <a:effectRef idx="0">
-          <a:scrgbClr r="0" g="0" b="0"/>
-        </a:effectRef>
-        <a:fontRef idx="minor"/>
-      </dsp:style>
-    </dsp:sp>
-    <dsp:sp modelId="{591F4525-2796-49D7-939C-50EE8BE924F3}">
-      <dsp:nvSpPr>
-        <dsp:cNvPr id="0" name=""/>
-        <dsp:cNvSpPr/>
-      </dsp:nvSpPr>
-      <dsp:spPr>
-        <a:xfrm>
-          <a:off x="1356381" y="4038007"/>
-          <a:ext cx="1089152" cy="1089152"/>
-        </a:xfrm>
-        <a:prstGeom prst="roundRect">
-          <a:avLst/>
-        </a:prstGeom>
-        <a:solidFill>
-          <a:schemeClr val="accent5">
-            <a:hueOff val="0"/>
-            <a:satOff val="0"/>
-            <a:lumOff val="0"/>
-            <a:alphaOff val="0"/>
-          </a:schemeClr>
-        </a:solidFill>
-        <a:ln w="12700" cap="flat" cmpd="sng" algn="ctr">
-          <a:solidFill>
-            <a:schemeClr val="lt1">
-              <a:hueOff val="0"/>
-              <a:satOff val="0"/>
-              <a:lumOff val="0"/>
-              <a:alphaOff val="0"/>
-            </a:schemeClr>
-          </a:solidFill>
-          <a:prstDash val="solid"/>
-          <a:miter lim="800000"/>
-        </a:ln>
-        <a:effectLst/>
-      </dsp:spPr>
-      <dsp:style>
-        <a:lnRef idx="2">
-          <a:scrgbClr r="0" g="0" b="0"/>
-        </a:lnRef>
-        <a:fillRef idx="1">
-          <a:scrgbClr r="0" g="0" b="0"/>
-        </a:fillRef>
-        <a:effectRef idx="0">
-          <a:scrgbClr r="0" g="0" b="0"/>
-        </a:effectRef>
-        <a:fontRef idx="minor">
-          <a:schemeClr val="lt1"/>
-        </a:fontRef>
-      </dsp:style>
-      <dsp:txBody>
-        <a:bodyPr spcFirstLastPara="0" vert="horz" wrap="square" lIns="55880" tIns="55880" rIns="55880" bIns="55880" numCol="1" spcCol="1270" anchor="ctr" anchorCtr="0">
-          <a:noAutofit/>
-        </a:bodyPr>
-        <a:lstStyle/>
-        <a:p>
-          <a:pPr lvl="0" algn="ctr" defTabSz="977900" latinLnBrk="1">
-            <a:lnSpc>
-              <a:spcPct val="90000"/>
-            </a:lnSpc>
-            <a:spcBef>
-              <a:spcPct val="0"/>
-            </a:spcBef>
-            <a:spcAft>
-              <a:spcPct val="35000"/>
-            </a:spcAft>
-          </a:pPr>
-          <a:r>
-            <a:rPr lang="ko-KR" altLang="en-US" sz="2200" kern="1200" dirty="0" smtClean="0"/>
-            <a:t>정해림</a:t>
-          </a:r>
-          <a:endParaRPr lang="ko-KR" altLang="en-US" sz="2200" kern="1200" dirty="0"/>
-        </a:p>
-      </dsp:txBody>
-      <dsp:txXfrm>
-        <a:off x="1409549" y="4091175"/>
-        <a:ext cx="982816" cy="982816"/>
-      </dsp:txXfrm>
-    </dsp:sp>
   </dsp:spTree>
 </dsp:drawing>
 </file>
@@ -6118,7 +5639,7 @@
           <a:p>
             <a:fld id="{73DF59AC-5A64-4BA6-A94B-048EA51CABCC}" type="datetimeFigureOut">
               <a:rPr lang="ko-KR" altLang="en-US" smtClean="0"/>
-              <a:t>2020-02-20</a:t>
+              <a:t>2020-02-21</a:t>
             </a:fld>
             <a:endParaRPr lang="ko-KR" altLang="en-US"/>
           </a:p>
@@ -6288,7 +5809,7 @@
           <a:p>
             <a:fld id="{73DF59AC-5A64-4BA6-A94B-048EA51CABCC}" type="datetimeFigureOut">
               <a:rPr lang="ko-KR" altLang="en-US" smtClean="0"/>
-              <a:t>2020-02-20</a:t>
+              <a:t>2020-02-21</a:t>
             </a:fld>
             <a:endParaRPr lang="ko-KR" altLang="en-US"/>
           </a:p>
@@ -6468,7 +5989,7 @@
           <a:p>
             <a:fld id="{73DF59AC-5A64-4BA6-A94B-048EA51CABCC}" type="datetimeFigureOut">
               <a:rPr lang="ko-KR" altLang="en-US" smtClean="0"/>
-              <a:t>2020-02-20</a:t>
+              <a:t>2020-02-21</a:t>
             </a:fld>
             <a:endParaRPr lang="ko-KR" altLang="en-US"/>
           </a:p>
@@ -6638,7 +6159,7 @@
           <a:p>
             <a:fld id="{73DF59AC-5A64-4BA6-A94B-048EA51CABCC}" type="datetimeFigureOut">
               <a:rPr lang="ko-KR" altLang="en-US" smtClean="0"/>
-              <a:t>2020-02-20</a:t>
+              <a:t>2020-02-21</a:t>
             </a:fld>
             <a:endParaRPr lang="ko-KR" altLang="en-US"/>
           </a:p>
@@ -6884,7 +6405,7 @@
           <a:p>
             <a:fld id="{73DF59AC-5A64-4BA6-A94B-048EA51CABCC}" type="datetimeFigureOut">
               <a:rPr lang="ko-KR" altLang="en-US" smtClean="0"/>
-              <a:t>2020-02-20</a:t>
+              <a:t>2020-02-21</a:t>
             </a:fld>
             <a:endParaRPr lang="ko-KR" altLang="en-US"/>
           </a:p>
@@ -7116,7 +6637,7 @@
           <a:p>
             <a:fld id="{73DF59AC-5A64-4BA6-A94B-048EA51CABCC}" type="datetimeFigureOut">
               <a:rPr lang="ko-KR" altLang="en-US" smtClean="0"/>
-              <a:t>2020-02-20</a:t>
+              <a:t>2020-02-21</a:t>
             </a:fld>
             <a:endParaRPr lang="ko-KR" altLang="en-US"/>
           </a:p>
@@ -7483,7 +7004,7 @@
           <a:p>
             <a:fld id="{73DF59AC-5A64-4BA6-A94B-048EA51CABCC}" type="datetimeFigureOut">
               <a:rPr lang="ko-KR" altLang="en-US" smtClean="0"/>
-              <a:t>2020-02-20</a:t>
+              <a:t>2020-02-21</a:t>
             </a:fld>
             <a:endParaRPr lang="ko-KR" altLang="en-US"/>
           </a:p>
@@ -7601,7 +7122,7 @@
           <a:p>
             <a:fld id="{73DF59AC-5A64-4BA6-A94B-048EA51CABCC}" type="datetimeFigureOut">
               <a:rPr lang="ko-KR" altLang="en-US" smtClean="0"/>
-              <a:t>2020-02-20</a:t>
+              <a:t>2020-02-21</a:t>
             </a:fld>
             <a:endParaRPr lang="ko-KR" altLang="en-US"/>
           </a:p>
@@ -7696,7 +7217,7 @@
           <a:p>
             <a:fld id="{73DF59AC-5A64-4BA6-A94B-048EA51CABCC}" type="datetimeFigureOut">
               <a:rPr lang="ko-KR" altLang="en-US" smtClean="0"/>
-              <a:t>2020-02-20</a:t>
+              <a:t>2020-02-21</a:t>
             </a:fld>
             <a:endParaRPr lang="ko-KR" altLang="en-US"/>
           </a:p>
@@ -7973,7 +7494,7 @@
           <a:p>
             <a:fld id="{73DF59AC-5A64-4BA6-A94B-048EA51CABCC}" type="datetimeFigureOut">
               <a:rPr lang="ko-KR" altLang="en-US" smtClean="0"/>
-              <a:t>2020-02-20</a:t>
+              <a:t>2020-02-21</a:t>
             </a:fld>
             <a:endParaRPr lang="ko-KR" altLang="en-US"/>
           </a:p>
@@ -8226,7 +7747,7 @@
           <a:p>
             <a:fld id="{73DF59AC-5A64-4BA6-A94B-048EA51CABCC}" type="datetimeFigureOut">
               <a:rPr lang="ko-KR" altLang="en-US" smtClean="0"/>
-              <a:t>2020-02-20</a:t>
+              <a:t>2020-02-21</a:t>
             </a:fld>
             <a:endParaRPr lang="ko-KR" altLang="en-US"/>
           </a:p>
@@ -8439,7 +7960,7 @@
           <a:p>
             <a:fld id="{73DF59AC-5A64-4BA6-A94B-048EA51CABCC}" type="datetimeFigureOut">
               <a:rPr lang="ko-KR" altLang="en-US" smtClean="0"/>
-              <a:t>2020-02-20</a:t>
+              <a:t>2020-02-21</a:t>
             </a:fld>
             <a:endParaRPr lang="ko-KR" altLang="en-US"/>
           </a:p>
@@ -9047,7 +8568,7 @@
         <p:spPr>
           <a:xfrm>
             <a:off x="5013455" y="3554355"/>
-            <a:ext cx="1947969" cy="369332"/>
+            <a:ext cx="2149948" cy="369332"/>
           </a:xfrm>
           <a:prstGeom prst="rect">
             <a:avLst/>
@@ -9065,7 +8586,14 @@
                 <a:latin typeface="Segoe UI Black" panose="020B0A02040204020203" pitchFamily="34" charset="0"/>
                 <a:ea typeface="Segoe UI Black" panose="020B0A02040204020203" pitchFamily="34" charset="0"/>
               </a:rPr>
-              <a:t>TEAM MEMBER</a:t>
+              <a:t>5 TEAM </a:t>
+            </a:r>
+            <a:r>
+              <a:rPr lang="en-US" altLang="ko-KR" dirty="0" smtClean="0">
+                <a:latin typeface="Segoe UI Black" panose="020B0A02040204020203" pitchFamily="34" charset="0"/>
+                <a:ea typeface="Segoe UI Black" panose="020B0A02040204020203" pitchFamily="34" charset="0"/>
+              </a:rPr>
+              <a:t>MEMBER</a:t>
             </a:r>
           </a:p>
         </p:txBody>
@@ -13122,460 +12650,6 @@
 </p:sld>
 </file>
 
-<file path=ppt/slides/slide22.xml><?xml version="1.0" encoding="utf-8"?>
-<p:sld xmlns:a="http://schemas.openxmlformats.org/drawingml/2006/main" xmlns:r="http://schemas.openxmlformats.org/officeDocument/2006/relationships" xmlns:p="http://schemas.openxmlformats.org/presentationml/2006/main">
-  <p:cSld>
-    <p:spTree>
-      <p:nvGrpSpPr>
-        <p:cNvPr id="1" name=""/>
-        <p:cNvGrpSpPr/>
-        <p:nvPr/>
-      </p:nvGrpSpPr>
-      <p:grpSpPr>
-        <a:xfrm>
-          <a:off x="0" y="0"/>
-          <a:ext cx="0" cy="0"/>
-          <a:chOff x="0" y="0"/>
-          <a:chExt cx="0" cy="0"/>
-        </a:xfrm>
-      </p:grpSpPr>
-      <p:sp>
-        <p:nvSpPr>
-          <p:cNvPr id="4" name="직사각형 3"/>
-          <p:cNvSpPr/>
-          <p:nvPr/>
-        </p:nvSpPr>
-        <p:spPr>
-          <a:xfrm>
-            <a:off x="1" y="0"/>
-            <a:ext cx="12192000" cy="6857999"/>
-          </a:xfrm>
-          <a:prstGeom prst="rect">
-            <a:avLst/>
-          </a:prstGeom>
-          <a:solidFill>
-            <a:schemeClr val="accent6">
-              <a:lumMod val="40000"/>
-              <a:lumOff val="60000"/>
-            </a:schemeClr>
-          </a:solidFill>
-          <a:ln>
-            <a:noFill/>
-          </a:ln>
-        </p:spPr>
-        <p:style>
-          <a:lnRef idx="2">
-            <a:schemeClr val="accent1">
-              <a:shade val="50000"/>
-            </a:schemeClr>
-          </a:lnRef>
-          <a:fillRef idx="1">
-            <a:schemeClr val="accent1"/>
-          </a:fillRef>
-          <a:effectRef idx="0">
-            <a:schemeClr val="accent1"/>
-          </a:effectRef>
-          <a:fontRef idx="minor">
-            <a:schemeClr val="lt1"/>
-          </a:fontRef>
-        </p:style>
-        <p:txBody>
-          <a:bodyPr rtlCol="0" anchor="ctr"/>
-          <a:lstStyle/>
-          <a:p>
-            <a:pPr algn="ctr"/>
-            <a:endParaRPr lang="ko-KR" altLang="en-US"/>
-          </a:p>
-        </p:txBody>
-      </p:sp>
-      <p:sp>
-        <p:nvSpPr>
-          <p:cNvPr id="5" name="직사각형 4"/>
-          <p:cNvSpPr/>
-          <p:nvPr/>
-        </p:nvSpPr>
-        <p:spPr>
-          <a:xfrm>
-            <a:off x="463464" y="413359"/>
-            <a:ext cx="11298476" cy="6075123"/>
-          </a:xfrm>
-          <a:prstGeom prst="rect">
-            <a:avLst/>
-          </a:prstGeom>
-          <a:noFill/>
-          <a:ln w="38100">
-            <a:solidFill>
-              <a:schemeClr val="bg1"/>
-            </a:solidFill>
-          </a:ln>
-        </p:spPr>
-        <p:style>
-          <a:lnRef idx="2">
-            <a:schemeClr val="accent1">
-              <a:shade val="50000"/>
-            </a:schemeClr>
-          </a:lnRef>
-          <a:fillRef idx="1">
-            <a:schemeClr val="accent1"/>
-          </a:fillRef>
-          <a:effectRef idx="0">
-            <a:schemeClr val="accent1"/>
-          </a:effectRef>
-          <a:fontRef idx="minor">
-            <a:schemeClr val="lt1"/>
-          </a:fontRef>
-        </p:style>
-        <p:txBody>
-          <a:bodyPr rtlCol="0" anchor="ctr"/>
-          <a:lstStyle/>
-          <a:p>
-            <a:pPr algn="ctr"/>
-            <a:endParaRPr lang="ko-KR" altLang="en-US"/>
-          </a:p>
-        </p:txBody>
-      </p:sp>
-      <p:sp>
-        <p:nvSpPr>
-          <p:cNvPr id="6" name="직사각형 5"/>
-          <p:cNvSpPr/>
-          <p:nvPr/>
-        </p:nvSpPr>
-        <p:spPr>
-          <a:xfrm>
-            <a:off x="588723" y="588723"/>
-            <a:ext cx="11022904" cy="5749447"/>
-          </a:xfrm>
-          <a:prstGeom prst="rect">
-            <a:avLst/>
-          </a:prstGeom>
-          <a:noFill/>
-          <a:ln w="38100">
-            <a:solidFill>
-              <a:schemeClr val="bg1"/>
-            </a:solidFill>
-          </a:ln>
-        </p:spPr>
-        <p:style>
-          <a:lnRef idx="2">
-            <a:schemeClr val="accent1">
-              <a:shade val="50000"/>
-            </a:schemeClr>
-          </a:lnRef>
-          <a:fillRef idx="1">
-            <a:schemeClr val="accent1"/>
-          </a:fillRef>
-          <a:effectRef idx="0">
-            <a:schemeClr val="accent1"/>
-          </a:effectRef>
-          <a:fontRef idx="minor">
-            <a:schemeClr val="lt1"/>
-          </a:fontRef>
-        </p:style>
-        <p:txBody>
-          <a:bodyPr rtlCol="0" anchor="ctr"/>
-          <a:lstStyle/>
-          <a:p>
-            <a:pPr algn="ctr"/>
-            <a:endParaRPr lang="ko-KR" altLang="en-US" b="1" dirty="0"/>
-          </a:p>
-        </p:txBody>
-      </p:sp>
-      <p:sp>
-        <p:nvSpPr>
-          <p:cNvPr id="7" name="직사각형 6"/>
-          <p:cNvSpPr/>
-          <p:nvPr/>
-        </p:nvSpPr>
-        <p:spPr>
-          <a:xfrm>
-            <a:off x="8543488" y="4349577"/>
-            <a:ext cx="3029997" cy="707886"/>
-          </a:xfrm>
-          <a:prstGeom prst="rect">
-            <a:avLst/>
-          </a:prstGeom>
-        </p:spPr>
-        <p:txBody>
-          <a:bodyPr wrap="none">
-            <a:spAutoFit/>
-          </a:bodyPr>
-          <a:lstStyle/>
-          <a:p>
-            <a:pPr fontAlgn="base"/>
-            <a:r>
-              <a:rPr lang="en-US" altLang="ko-KR" sz="4000" b="1" dirty="0" smtClean="0"/>
-              <a:t>3. </a:t>
-            </a:r>
-            <a:r>
-              <a:rPr lang="ko-KR" altLang="en-US" sz="4000" b="1" dirty="0" smtClean="0"/>
-              <a:t>개발 후기</a:t>
-            </a:r>
-            <a:endParaRPr lang="ko-KR" altLang="en-US" sz="4000" b="1" dirty="0"/>
-          </a:p>
-        </p:txBody>
-      </p:sp>
-      <p:cxnSp>
-        <p:nvCxnSpPr>
-          <p:cNvPr id="8" name="직선 연결선 7"/>
-          <p:cNvCxnSpPr/>
-          <p:nvPr/>
-        </p:nvCxnSpPr>
-        <p:spPr>
-          <a:xfrm flipV="1">
-            <a:off x="4002786" y="5158208"/>
-            <a:ext cx="7200000" cy="17878"/>
-          </a:xfrm>
-          <a:prstGeom prst="line">
-            <a:avLst/>
-          </a:prstGeom>
-          <a:ln w="38100">
-            <a:solidFill>
-              <a:schemeClr val="bg1"/>
-            </a:solidFill>
-          </a:ln>
-        </p:spPr>
-        <p:style>
-          <a:lnRef idx="1">
-            <a:schemeClr val="accent1"/>
-          </a:lnRef>
-          <a:fillRef idx="0">
-            <a:schemeClr val="accent1"/>
-          </a:fillRef>
-          <a:effectRef idx="0">
-            <a:schemeClr val="accent1"/>
-          </a:effectRef>
-          <a:fontRef idx="minor">
-            <a:schemeClr val="tx1"/>
-          </a:fontRef>
-        </p:style>
-      </p:cxnSp>
-      <p:sp>
-        <p:nvSpPr>
-          <p:cNvPr id="9" name="TextBox 8"/>
-          <p:cNvSpPr txBox="1"/>
-          <p:nvPr/>
-        </p:nvSpPr>
-        <p:spPr>
-          <a:xfrm>
-            <a:off x="588723" y="588723"/>
-            <a:ext cx="1975221" cy="769441"/>
-          </a:xfrm>
-          <a:prstGeom prst="rect">
-            <a:avLst/>
-          </a:prstGeom>
-          <a:noFill/>
-        </p:spPr>
-        <p:txBody>
-          <a:bodyPr wrap="none" rtlCol="0">
-            <a:spAutoFit/>
-          </a:bodyPr>
-          <a:lstStyle/>
-          <a:p>
-            <a:pPr algn="ctr"/>
-            <a:r>
-              <a:rPr lang="en-US" altLang="ko-KR" sz="4400" dirty="0" smtClean="0">
-                <a:solidFill>
-                  <a:schemeClr val="tx1">
-                    <a:lumMod val="85000"/>
-                    <a:lumOff val="15000"/>
-                  </a:schemeClr>
-                </a:solidFill>
-                <a:latin typeface="Segoe UI Black" panose="020B0A02040204020203" pitchFamily="34" charset="0"/>
-              </a:rPr>
-              <a:t>INDEX</a:t>
-            </a:r>
-            <a:endParaRPr lang="ko-KR" altLang="en-US" sz="4400" dirty="0">
-              <a:solidFill>
-                <a:schemeClr val="tx1">
-                  <a:lumMod val="85000"/>
-                  <a:lumOff val="15000"/>
-                </a:schemeClr>
-              </a:solidFill>
-              <a:latin typeface="Segoe UI Black" panose="020B0A02040204020203" pitchFamily="34" charset="0"/>
-            </a:endParaRPr>
-          </a:p>
-        </p:txBody>
-      </p:sp>
-    </p:spTree>
-    <p:extLst>
-      <p:ext uri="{BB962C8B-B14F-4D97-AF65-F5344CB8AC3E}">
-        <p14:creationId xmlns:p14="http://schemas.microsoft.com/office/powerpoint/2010/main" val="195734530"/>
-      </p:ext>
-    </p:extLst>
-  </p:cSld>
-  <p:clrMapOvr>
-    <a:masterClrMapping/>
-  </p:clrMapOvr>
-  <p:timing>
-    <p:tnLst>
-      <p:par>
-        <p:cTn id="1" dur="indefinite" restart="never" nodeType="tmRoot"/>
-      </p:par>
-    </p:tnLst>
-  </p:timing>
-</p:sld>
-</file>
-
-<file path=ppt/slides/slide23.xml><?xml version="1.0" encoding="utf-8"?>
-<p:sld xmlns:a="http://schemas.openxmlformats.org/drawingml/2006/main" xmlns:r="http://schemas.openxmlformats.org/officeDocument/2006/relationships" xmlns:p="http://schemas.openxmlformats.org/presentationml/2006/main">
-  <p:cSld>
-    <p:spTree>
-      <p:nvGrpSpPr>
-        <p:cNvPr id="1" name=""/>
-        <p:cNvGrpSpPr/>
-        <p:nvPr/>
-      </p:nvGrpSpPr>
-      <p:grpSpPr>
-        <a:xfrm>
-          <a:off x="0" y="0"/>
-          <a:ext cx="0" cy="0"/>
-          <a:chOff x="0" y="0"/>
-          <a:chExt cx="0" cy="0"/>
-        </a:xfrm>
-      </p:grpSpPr>
-      <p:sp>
-        <p:nvSpPr>
-          <p:cNvPr id="4" name="직사각형 3"/>
-          <p:cNvSpPr/>
-          <p:nvPr/>
-        </p:nvSpPr>
-        <p:spPr>
-          <a:xfrm>
-            <a:off x="0" y="0"/>
-            <a:ext cx="2931090" cy="948391"/>
-          </a:xfrm>
-          <a:prstGeom prst="rect">
-            <a:avLst/>
-          </a:prstGeom>
-          <a:solidFill>
-            <a:schemeClr val="accent6">
-              <a:lumMod val="40000"/>
-              <a:lumOff val="60000"/>
-            </a:schemeClr>
-          </a:solidFill>
-          <a:ln>
-            <a:solidFill>
-              <a:schemeClr val="bg1"/>
-            </a:solidFill>
-          </a:ln>
-        </p:spPr>
-        <p:style>
-          <a:lnRef idx="2">
-            <a:schemeClr val="accent1">
-              <a:shade val="50000"/>
-            </a:schemeClr>
-          </a:lnRef>
-          <a:fillRef idx="1">
-            <a:schemeClr val="accent1"/>
-          </a:fillRef>
-          <a:effectRef idx="0">
-            <a:schemeClr val="accent1"/>
-          </a:effectRef>
-          <a:fontRef idx="minor">
-            <a:schemeClr val="lt1"/>
-          </a:fontRef>
-        </p:style>
-        <p:txBody>
-          <a:bodyPr rtlCol="0" anchor="ctr"/>
-          <a:lstStyle/>
-          <a:p>
-            <a:pPr algn="ctr"/>
-            <a:endParaRPr lang="ko-KR" altLang="en-US"/>
-          </a:p>
-        </p:txBody>
-      </p:sp>
-      <p:cxnSp>
-        <p:nvCxnSpPr>
-          <p:cNvPr id="5" name="직선 연결선 4"/>
-          <p:cNvCxnSpPr/>
-          <p:nvPr/>
-        </p:nvCxnSpPr>
-        <p:spPr>
-          <a:xfrm flipV="1">
-            <a:off x="0" y="948391"/>
-            <a:ext cx="10835014" cy="17878"/>
-          </a:xfrm>
-          <a:prstGeom prst="line">
-            <a:avLst/>
-          </a:prstGeom>
-          <a:ln w="38100">
-            <a:solidFill>
-              <a:schemeClr val="accent6">
-                <a:lumMod val="40000"/>
-                <a:lumOff val="60000"/>
-              </a:schemeClr>
-            </a:solidFill>
-          </a:ln>
-        </p:spPr>
-        <p:style>
-          <a:lnRef idx="1">
-            <a:schemeClr val="accent1"/>
-          </a:lnRef>
-          <a:fillRef idx="0">
-            <a:schemeClr val="accent1"/>
-          </a:fillRef>
-          <a:effectRef idx="0">
-            <a:schemeClr val="accent1"/>
-          </a:effectRef>
-          <a:fontRef idx="minor">
-            <a:schemeClr val="tx1"/>
-          </a:fontRef>
-        </p:style>
-      </p:cxnSp>
-      <p:sp>
-        <p:nvSpPr>
-          <p:cNvPr id="7" name="직사각형 6"/>
-          <p:cNvSpPr/>
-          <p:nvPr/>
-        </p:nvSpPr>
-        <p:spPr>
-          <a:xfrm>
-            <a:off x="2338056" y="258383"/>
-            <a:ext cx="3029997" cy="707886"/>
-          </a:xfrm>
-          <a:prstGeom prst="rect">
-            <a:avLst/>
-          </a:prstGeom>
-        </p:spPr>
-        <p:txBody>
-          <a:bodyPr wrap="none">
-            <a:spAutoFit/>
-          </a:bodyPr>
-          <a:lstStyle/>
-          <a:p>
-            <a:pPr fontAlgn="base"/>
-            <a:r>
-              <a:rPr lang="en-US" altLang="ko-KR" sz="4000" b="1" dirty="0" smtClean="0"/>
-              <a:t>3. </a:t>
-            </a:r>
-            <a:r>
-              <a:rPr lang="ko-KR" altLang="en-US" sz="4000" b="1" dirty="0" smtClean="0"/>
-              <a:t>개발 후기</a:t>
-            </a:r>
-            <a:endParaRPr lang="ko-KR" altLang="en-US" sz="4000" b="1" dirty="0"/>
-          </a:p>
-        </p:txBody>
-      </p:sp>
-    </p:spTree>
-    <p:extLst>
-      <p:ext uri="{BB962C8B-B14F-4D97-AF65-F5344CB8AC3E}">
-        <p14:creationId xmlns:p14="http://schemas.microsoft.com/office/powerpoint/2010/main" val="4171533753"/>
-      </p:ext>
-    </p:extLst>
-  </p:cSld>
-  <p:clrMapOvr>
-    <a:masterClrMapping/>
-  </p:clrMapOvr>
-  <p:timing>
-    <p:tnLst>
-      <p:par>
-        <p:cTn id="1" dur="indefinite" restart="never" nodeType="tmRoot"/>
-      </p:par>
-    </p:tnLst>
-  </p:timing>
-</p:sld>
-</file>
-
 <file path=ppt/slides/slide3.xml><?xml version="1.0" encoding="utf-8"?>
 <p:sld xmlns:a="http://schemas.openxmlformats.org/drawingml/2006/main" xmlns:r="http://schemas.openxmlformats.org/officeDocument/2006/relationships" xmlns:p="http://schemas.openxmlformats.org/presentationml/2006/main">
   <p:cSld>
@@ -15237,11 +14311,7 @@
             <a:pPr algn="ctr"/>
             <a:r>
               <a:rPr lang="ko-KR" altLang="en-US" b="1" dirty="0" smtClean="0"/>
-              <a:t>시간과 </a:t>
-            </a:r>
-            <a:r>
-              <a:rPr lang="ko-KR" altLang="en-US" b="1" dirty="0" smtClean="0"/>
-              <a:t>돈을 절약하는 </a:t>
+              <a:t>시간과 돈을 절약하는 </a:t>
             </a:r>
             <a:endParaRPr lang="en-US" altLang="ko-KR" b="1" dirty="0" smtClean="0"/>
           </a:p>
@@ -15461,11 +14531,7 @@
             </a:r>
             <a:r>
               <a:rPr lang="ko-KR" altLang="en-US" sz="4000" b="1" dirty="0" smtClean="0"/>
-              <a:t>개발 기술과 </a:t>
-            </a:r>
-            <a:r>
-              <a:rPr lang="ko-KR" altLang="en-US" sz="4000" b="1" dirty="0" smtClean="0"/>
-              <a:t>구성</a:t>
+              <a:t>개발 기술과 구성</a:t>
             </a:r>
             <a:endParaRPr lang="ko-KR" altLang="en-US" sz="4000" b="1" dirty="0"/>
           </a:p>
